--- a/课程1.pptx
+++ b/课程1.pptx
@@ -3096,7 +3096,7 @@
             <a:fld id="{B61BEF0D-F0BB-DE4B-95CE-6DB70DBA9567}" type="datetimeFigureOut">
               <a:rPr lang="en-US" dirty="0"/>
               <a:pPr/>
-              <a:t>10/26/19</a:t>
+              <a:t>11/8/19</a:t>
             </a:fld>
             <a:endParaRPr lang="en-US" dirty="0"/>
           </a:p>
@@ -3355,7 +3355,7 @@
             <a:fld id="{B61BEF0D-F0BB-DE4B-95CE-6DB70DBA9567}" type="datetimeFigureOut">
               <a:rPr lang="en-US" dirty="0"/>
               <a:pPr/>
-              <a:t>10/26/19</a:t>
+              <a:t>11/8/19</a:t>
             </a:fld>
             <a:endParaRPr lang="en-US" dirty="0"/>
           </a:p>
@@ -3587,7 +3587,7 @@
             <a:fld id="{B61BEF0D-F0BB-DE4B-95CE-6DB70DBA9567}" type="datetimeFigureOut">
               <a:rPr lang="en-US" dirty="0"/>
               <a:pPr/>
-              <a:t>10/26/19</a:t>
+              <a:t>11/8/19</a:t>
             </a:fld>
             <a:endParaRPr lang="en-US" dirty="0"/>
           </a:p>
@@ -3824,7 +3824,7 @@
             <a:fld id="{B61BEF0D-F0BB-DE4B-95CE-6DB70DBA9567}" type="datetimeFigureOut">
               <a:rPr lang="en-US" dirty="0"/>
               <a:pPr/>
-              <a:t>10/26/19</a:t>
+              <a:t>11/8/19</a:t>
             </a:fld>
             <a:endParaRPr lang="en-US" dirty="0"/>
           </a:p>
@@ -4128,7 +4128,7 @@
             <a:fld id="{B61BEF0D-F0BB-DE4B-95CE-6DB70DBA9567}" type="datetimeFigureOut">
               <a:rPr lang="en-US" dirty="0"/>
               <a:pPr/>
-              <a:t>10/26/19</a:t>
+              <a:t>11/8/19</a:t>
             </a:fld>
             <a:endParaRPr lang="en-US" dirty="0"/>
           </a:p>
@@ -4427,7 +4427,7 @@
             <a:fld id="{B61BEF0D-F0BB-DE4B-95CE-6DB70DBA9567}" type="datetimeFigureOut">
               <a:rPr lang="en-US" dirty="0"/>
               <a:pPr/>
-              <a:t>10/26/19</a:t>
+              <a:t>11/8/19</a:t>
             </a:fld>
             <a:endParaRPr lang="en-US" dirty="0"/>
           </a:p>
@@ -4846,7 +4846,7 @@
             <a:fld id="{B61BEF0D-F0BB-DE4B-95CE-6DB70DBA9567}" type="datetimeFigureOut">
               <a:rPr lang="en-US" dirty="0"/>
               <a:pPr/>
-              <a:t>10/26/19</a:t>
+              <a:t>11/8/19</a:t>
             </a:fld>
             <a:endParaRPr lang="en-US" dirty="0"/>
           </a:p>
@@ -5005,7 +5005,7 @@
             <a:fld id="{B61BEF0D-F0BB-DE4B-95CE-6DB70DBA9567}" type="datetimeFigureOut">
               <a:rPr lang="en-US" dirty="0"/>
               <a:pPr/>
-              <a:t>10/26/19</a:t>
+              <a:t>11/8/19</a:t>
             </a:fld>
             <a:endParaRPr lang="en-US" dirty="0"/>
           </a:p>
@@ -5097,7 +5097,7 @@
             <a:fld id="{B61BEF0D-F0BB-DE4B-95CE-6DB70DBA9567}" type="datetimeFigureOut">
               <a:rPr lang="en-US" dirty="0"/>
               <a:pPr/>
-              <a:t>10/26/19</a:t>
+              <a:t>11/8/19</a:t>
             </a:fld>
             <a:endParaRPr lang="en-US" dirty="0"/>
           </a:p>
@@ -5472,7 +5472,7 @@
             <a:fld id="{B61BEF0D-F0BB-DE4B-95CE-6DB70DBA9567}" type="datetimeFigureOut">
               <a:rPr lang="en-US" dirty="0"/>
               <a:pPr/>
-              <a:t>10/26/19</a:t>
+              <a:t>11/8/19</a:t>
             </a:fld>
             <a:endParaRPr lang="en-US" dirty="0"/>
           </a:p>
@@ -5758,7 +5758,7 @@
             <a:fld id="{B61BEF0D-F0BB-DE4B-95CE-6DB70DBA9567}" type="datetimeFigureOut">
               <a:rPr lang="en-US" dirty="0"/>
               <a:pPr/>
-              <a:t>10/26/19</a:t>
+              <a:t>11/8/19</a:t>
             </a:fld>
             <a:endParaRPr lang="en-US" dirty="0"/>
           </a:p>
@@ -5966,7 +5966,7 @@
             <a:fld id="{B61BEF0D-F0BB-DE4B-95CE-6DB70DBA9567}" type="datetimeFigureOut">
               <a:rPr lang="en-US" dirty="0"/>
               <a:pPr/>
-              <a:t>10/26/19</a:t>
+              <a:t>11/8/19</a:t>
             </a:fld>
             <a:endParaRPr lang="en-US" dirty="0"/>
           </a:p>
@@ -8440,6 +8440,13 @@
   <p:clrMapOvr>
     <a:masterClrMapping/>
   </p:clrMapOvr>
+  <p:timing>
+    <p:tnLst>
+      <p:par>
+        <p:cTn id="1" dur="indefinite" restart="never" nodeType="tmRoot"/>
+      </p:par>
+    </p:tnLst>
+  </p:timing>
 </p:sld>
 </file>
 
@@ -8512,7 +8519,23 @@
             </a:r>
             <a:r>
               <a:rPr kumimoji="1" lang="zh-CN" altLang="en-US" dirty="0" smtClean="0"/>
-              <a:t>年，法国数学家帕斯卡创造了第一台能够完成加减法运算的机械运算器，用于计算税收，取得了成功。</a:t>
+              <a:t>年，法国数学家帕斯卡创造了第一台能够完成加减法运算的机械运算器，用于计算税收，取得了成功</a:t>
+            </a:r>
+            <a:r>
+              <a:rPr kumimoji="1" lang="zh-CN" altLang="en-US" dirty="0" smtClean="0"/>
+              <a:t>。</a:t>
+            </a:r>
+            <a:r>
+              <a:rPr kumimoji="1" lang="zh-CN" altLang="en-US" dirty="0" smtClean="0">
+                <a:hlinkClick r:id="rId2" action="ppaction://hlinkfile"/>
+              </a:rPr>
+              <a:t>视频</a:t>
+            </a:r>
+            <a:r>
+              <a:rPr kumimoji="1" lang="is-IS" altLang="zh-CN" dirty="0" smtClean="0">
+                <a:hlinkClick r:id="rId2" action="ppaction://hlinkfile"/>
+              </a:rPr>
+              <a:t>mp4</a:t>
             </a:r>
             <a:endParaRPr kumimoji="1" lang="en-US" altLang="zh-CN" dirty="0" smtClean="0"/>
           </a:p>
@@ -8558,6 +8581,13 @@
   <p:clrMapOvr>
     <a:masterClrMapping/>
   </p:clrMapOvr>
+  <p:timing>
+    <p:tnLst>
+      <p:par>
+        <p:cTn id="1" dur="indefinite" restart="never" nodeType="tmRoot"/>
+      </p:par>
+    </p:tnLst>
+  </p:timing>
 </p:sld>
 </file>
 
@@ -8630,11 +8660,7 @@
           <a:p>
             <a:r>
               <a:rPr kumimoji="1" lang="zh-CN" altLang="en-US" dirty="0" smtClean="0"/>
-              <a:t>差</a:t>
-            </a:r>
-            <a:r>
-              <a:rPr kumimoji="1" lang="zh-CN" altLang="en-US" dirty="0" smtClean="0"/>
-              <a:t>分机（</a:t>
+              <a:t>差分机（</a:t>
             </a:r>
             <a:r>
               <a:rPr kumimoji="1" lang="en-US" altLang="zh-CN" dirty="0" smtClean="0"/>
@@ -8642,15 +8668,7 @@
             </a:r>
             <a:r>
               <a:rPr kumimoji="1" lang="zh-CN" altLang="en-US" dirty="0" smtClean="0"/>
-              <a:t>）和</a:t>
-            </a:r>
-            <a:r>
-              <a:rPr kumimoji="1" lang="zh-CN" altLang="en-US" dirty="0" smtClean="0"/>
-              <a:t>分析</a:t>
-            </a:r>
-            <a:r>
-              <a:rPr kumimoji="1" lang="zh-CN" altLang="en-US" dirty="0" smtClean="0"/>
-              <a:t>机（</a:t>
+              <a:t>）和分析机（</a:t>
             </a:r>
             <a:r>
               <a:rPr kumimoji="1" lang="en-US" altLang="zh-CN" dirty="0" smtClean="0"/>
@@ -8677,6 +8695,13 @@
   <p:clrMapOvr>
     <a:masterClrMapping/>
   </p:clrMapOvr>
+  <p:timing>
+    <p:tnLst>
+      <p:par>
+        <p:cTn id="1" dur="indefinite" restart="never" nodeType="tmRoot"/>
+      </p:par>
+    </p:tnLst>
+  </p:timing>
 </p:sld>
 </file>
 
